--- a/Daimler - Web Components.pptx
+++ b/Daimler - Web Components.pptx
@@ -125,237 +125,6 @@
 </p:presentation>
 </file>
 
-<file path=ppt/changesInfos/changesInfo1.xml><?xml version="1.0" encoding="utf-8"?>
-<pc:chgInfo xmlns:a="http://schemas.openxmlformats.org/drawingml/2006/main" xmlns:r="http://schemas.openxmlformats.org/officeDocument/2006/relationships" xmlns:ac="http://schemas.microsoft.com/office/drawing/2013/main/command" xmlns:pc="http://schemas.microsoft.com/office/powerpoint/2013/main/command">
-  <pc:docChgLst>
-    <pc:chgData name="Rogeross Beraña" userId="6758e3466fb01340" providerId="LiveId" clId="{B35421DD-F2E1-4AC4-BB82-3A73937B8894}"/>
-    <pc:docChg chg="undo custSel addSld delSld modSld sldOrd">
-      <pc:chgData name="Rogeross Beraña" userId="6758e3466fb01340" providerId="LiveId" clId="{B35421DD-F2E1-4AC4-BB82-3A73937B8894}" dt="2019-01-16T12:22:49.085" v="189" actId="478"/>
-      <pc:docMkLst>
-        <pc:docMk/>
-      </pc:docMkLst>
-      <pc:sldChg chg="addSp delSp modSp">
-        <pc:chgData name="Rogeross Beraña" userId="6758e3466fb01340" providerId="LiveId" clId="{B35421DD-F2E1-4AC4-BB82-3A73937B8894}" dt="2019-01-15T13:32:53.436" v="6" actId="1076"/>
-        <pc:sldMkLst>
-          <pc:docMk/>
-          <pc:sldMk cId="690768131" sldId="257"/>
-        </pc:sldMkLst>
-        <pc:picChg chg="add mod">
-          <ac:chgData name="Rogeross Beraña" userId="6758e3466fb01340" providerId="LiveId" clId="{B35421DD-F2E1-4AC4-BB82-3A73937B8894}" dt="2019-01-15T13:32:53.436" v="6" actId="1076"/>
-          <ac:picMkLst>
-            <pc:docMk/>
-            <pc:sldMk cId="690768131" sldId="257"/>
-            <ac:picMk id="2" creationId="{80C5527D-638C-40CB-A79F-A7D4984E4274}"/>
-          </ac:picMkLst>
-        </pc:picChg>
-        <pc:picChg chg="del">
-          <ac:chgData name="Rogeross Beraña" userId="6758e3466fb01340" providerId="LiveId" clId="{B35421DD-F2E1-4AC4-BB82-3A73937B8894}" dt="2019-01-15T13:32:39.631" v="0" actId="478"/>
-          <ac:picMkLst>
-            <pc:docMk/>
-            <pc:sldMk cId="690768131" sldId="257"/>
-            <ac:picMk id="1026" creationId="{6CA85F27-90B4-42F9-9AF1-DA409D67DD21}"/>
-          </ac:picMkLst>
-        </pc:picChg>
-      </pc:sldChg>
-      <pc:sldChg chg="ord">
-        <pc:chgData name="Rogeross Beraña" userId="6758e3466fb01340" providerId="LiveId" clId="{B35421DD-F2E1-4AC4-BB82-3A73937B8894}" dt="2019-01-16T12:15:07.211" v="139"/>
-        <pc:sldMkLst>
-          <pc:docMk/>
-          <pc:sldMk cId="2436492403" sldId="259"/>
-        </pc:sldMkLst>
-      </pc:sldChg>
-      <pc:sldChg chg="ord">
-        <pc:chgData name="Rogeross Beraña" userId="6758e3466fb01340" providerId="LiveId" clId="{B35421DD-F2E1-4AC4-BB82-3A73937B8894}" dt="2019-01-16T12:15:10.450" v="140"/>
-        <pc:sldMkLst>
-          <pc:docMk/>
-          <pc:sldMk cId="811051613" sldId="260"/>
-        </pc:sldMkLst>
-      </pc:sldChg>
-      <pc:sldChg chg="addSp modSp">
-        <pc:chgData name="Rogeross Beraña" userId="6758e3466fb01340" providerId="LiveId" clId="{B35421DD-F2E1-4AC4-BB82-3A73937B8894}" dt="2019-01-15T13:52:49.303" v="80" actId="1076"/>
-        <pc:sldMkLst>
-          <pc:docMk/>
-          <pc:sldMk cId="1974818425" sldId="265"/>
-        </pc:sldMkLst>
-        <pc:spChg chg="add mod">
-          <ac:chgData name="Rogeross Beraña" userId="6758e3466fb01340" providerId="LiveId" clId="{B35421DD-F2E1-4AC4-BB82-3A73937B8894}" dt="2019-01-15T13:52:42.500" v="78" actId="164"/>
-          <ac:spMkLst>
-            <pc:docMk/>
-            <pc:sldMk cId="1974818425" sldId="265"/>
-            <ac:spMk id="3" creationId="{5939BE7B-4318-4555-BBE3-433B3DD8DD6D}"/>
-          </ac:spMkLst>
-        </pc:spChg>
-        <pc:spChg chg="add mod">
-          <ac:chgData name="Rogeross Beraña" userId="6758e3466fb01340" providerId="LiveId" clId="{B35421DD-F2E1-4AC4-BB82-3A73937B8894}" dt="2019-01-15T13:52:42.500" v="78" actId="164"/>
-          <ac:spMkLst>
-            <pc:docMk/>
-            <pc:sldMk cId="1974818425" sldId="265"/>
-            <ac:spMk id="4" creationId="{86D49919-FB7F-4347-9F75-40A6A9AF43F8}"/>
-          </ac:spMkLst>
-        </pc:spChg>
-        <pc:grpChg chg="add mod">
-          <ac:chgData name="Rogeross Beraña" userId="6758e3466fb01340" providerId="LiveId" clId="{B35421DD-F2E1-4AC4-BB82-3A73937B8894}" dt="2019-01-15T13:52:49.303" v="80" actId="1076"/>
-          <ac:grpSpMkLst>
-            <pc:docMk/>
-            <pc:sldMk cId="1974818425" sldId="265"/>
-            <ac:grpSpMk id="2" creationId="{628633BA-0B4F-4DBA-B8E7-8A9E3BF869F7}"/>
-          </ac:grpSpMkLst>
-        </pc:grpChg>
-        <pc:picChg chg="add mod">
-          <ac:chgData name="Rogeross Beraña" userId="6758e3466fb01340" providerId="LiveId" clId="{B35421DD-F2E1-4AC4-BB82-3A73937B8894}" dt="2019-01-15T13:52:42.500" v="78" actId="164"/>
-          <ac:picMkLst>
-            <pc:docMk/>
-            <pc:sldMk cId="1974818425" sldId="265"/>
-            <ac:picMk id="3074" creationId="{48AFA5AB-299B-4227-A627-B0F78BA870BD}"/>
-          </ac:picMkLst>
-        </pc:picChg>
-      </pc:sldChg>
-      <pc:sldChg chg="addSp modSp modAnim">
-        <pc:chgData name="Rogeross Beraña" userId="6758e3466fb01340" providerId="LiveId" clId="{B35421DD-F2E1-4AC4-BB82-3A73937B8894}" dt="2019-01-16T12:22:22.141" v="185"/>
-        <pc:sldMkLst>
-          <pc:docMk/>
-          <pc:sldMk cId="540137177" sldId="266"/>
-        </pc:sldMkLst>
-        <pc:spChg chg="add mod">
-          <ac:chgData name="Rogeross Beraña" userId="6758e3466fb01340" providerId="LiveId" clId="{B35421DD-F2E1-4AC4-BB82-3A73937B8894}" dt="2019-01-16T12:11:29.905" v="85" actId="1076"/>
-          <ac:spMkLst>
-            <pc:docMk/>
-            <pc:sldMk cId="540137177" sldId="266"/>
-            <ac:spMk id="2" creationId="{BDDD8881-0155-433A-9EA8-A8610BE836AA}"/>
-          </ac:spMkLst>
-        </pc:spChg>
-        <pc:spChg chg="add mod">
-          <ac:chgData name="Rogeross Beraña" userId="6758e3466fb01340" providerId="LiveId" clId="{B35421DD-F2E1-4AC4-BB82-3A73937B8894}" dt="2019-01-16T12:21:01.114" v="170" actId="14100"/>
-          <ac:spMkLst>
-            <pc:docMk/>
-            <pc:sldMk cId="540137177" sldId="266"/>
-            <ac:spMk id="4" creationId="{0F0ABC95-DB14-43B1-930E-0C817456A28B}"/>
-          </ac:spMkLst>
-        </pc:spChg>
-        <pc:spChg chg="add mod ord">
-          <ac:chgData name="Rogeross Beraña" userId="6758e3466fb01340" providerId="LiveId" clId="{B35421DD-F2E1-4AC4-BB82-3A73937B8894}" dt="2019-01-16T12:22:12.124" v="183" actId="164"/>
-          <ac:spMkLst>
-            <pc:docMk/>
-            <pc:sldMk cId="540137177" sldId="266"/>
-            <ac:spMk id="5" creationId="{D7DA5653-F2B7-46F1-944B-1E2A5AD9B9A9}"/>
-          </ac:spMkLst>
-        </pc:spChg>
-        <pc:spChg chg="add mod ord">
-          <ac:chgData name="Rogeross Beraña" userId="6758e3466fb01340" providerId="LiveId" clId="{B35421DD-F2E1-4AC4-BB82-3A73937B8894}" dt="2019-01-16T12:21:12.593" v="176" actId="1038"/>
-          <ac:spMkLst>
-            <pc:docMk/>
-            <pc:sldMk cId="540137177" sldId="266"/>
-            <ac:spMk id="16" creationId="{361BD012-3BFC-415E-B46A-89F2D32B9DA0}"/>
-          </ac:spMkLst>
-        </pc:spChg>
-        <pc:spChg chg="add ord">
-          <ac:chgData name="Rogeross Beraña" userId="6758e3466fb01340" providerId="LiveId" clId="{B35421DD-F2E1-4AC4-BB82-3A73937B8894}" dt="2019-01-16T12:20:20.486" v="163" actId="167"/>
-          <ac:spMkLst>
-            <pc:docMk/>
-            <pc:sldMk cId="540137177" sldId="266"/>
-            <ac:spMk id="17" creationId="{28D71D71-EC5E-4615-8666-274D7AA21AF0}"/>
-          </ac:spMkLst>
-        </pc:spChg>
-        <pc:spChg chg="add mod ord">
-          <ac:chgData name="Rogeross Beraña" userId="6758e3466fb01340" providerId="LiveId" clId="{B35421DD-F2E1-4AC4-BB82-3A73937B8894}" dt="2019-01-16T12:21:18.344" v="180" actId="1038"/>
-          <ac:spMkLst>
-            <pc:docMk/>
-            <pc:sldMk cId="540137177" sldId="266"/>
-            <ac:spMk id="18" creationId="{3FFD5871-EE00-4C82-B4F0-978CCA378EAB}"/>
-          </ac:spMkLst>
-        </pc:spChg>
-        <pc:grpChg chg="add mod">
-          <ac:chgData name="Rogeross Beraña" userId="6758e3466fb01340" providerId="LiveId" clId="{B35421DD-F2E1-4AC4-BB82-3A73937B8894}" dt="2019-01-16T12:22:12.124" v="183" actId="164"/>
-          <ac:grpSpMkLst>
-            <pc:docMk/>
-            <pc:sldMk cId="540137177" sldId="266"/>
-            <ac:grpSpMk id="15" creationId="{8AE6AEB7-28D5-4B5E-80A7-A34DF144F384}"/>
-          </ac:grpSpMkLst>
-        </pc:grpChg>
-        <pc:picChg chg="add mod ord">
-          <ac:chgData name="Rogeross Beraña" userId="6758e3466fb01340" providerId="LiveId" clId="{B35421DD-F2E1-4AC4-BB82-3A73937B8894}" dt="2019-01-16T12:21:07.377" v="171" actId="167"/>
-          <ac:picMkLst>
-            <pc:docMk/>
-            <pc:sldMk cId="540137177" sldId="266"/>
-            <ac:picMk id="2050" creationId="{DEDFC336-1B47-469B-9A45-608F68B148A5}"/>
-          </ac:picMkLst>
-        </pc:picChg>
-        <pc:cxnChg chg="add mod ord">
-          <ac:chgData name="Rogeross Beraña" userId="6758e3466fb01340" providerId="LiveId" clId="{B35421DD-F2E1-4AC4-BB82-3A73937B8894}" dt="2019-01-16T12:22:12.124" v="183" actId="164"/>
-          <ac:cxnSpMkLst>
-            <pc:docMk/>
-            <pc:sldMk cId="540137177" sldId="266"/>
-            <ac:cxnSpMk id="6" creationId="{E8EF138D-8DBC-4434-BAE4-3544AB7B0D8A}"/>
-          </ac:cxnSpMkLst>
-        </pc:cxnChg>
-      </pc:sldChg>
-      <pc:sldChg chg="modSp add del">
-        <pc:chgData name="Rogeross Beraña" userId="6758e3466fb01340" providerId="LiveId" clId="{B35421DD-F2E1-4AC4-BB82-3A73937B8894}" dt="2019-01-16T12:22:40.179" v="187" actId="2696"/>
-        <pc:sldMkLst>
-          <pc:docMk/>
-          <pc:sldMk cId="2067027119" sldId="267"/>
-        </pc:sldMkLst>
-        <pc:spChg chg="mod">
-          <ac:chgData name="Rogeross Beraña" userId="6758e3466fb01340" providerId="LiveId" clId="{B35421DD-F2E1-4AC4-BB82-3A73937B8894}" dt="2019-01-16T12:12:37.492" v="115" actId="1076"/>
-          <ac:spMkLst>
-            <pc:docMk/>
-            <pc:sldMk cId="2067027119" sldId="267"/>
-            <ac:spMk id="2" creationId="{BDDD8881-0155-433A-9EA8-A8610BE836AA}"/>
-          </ac:spMkLst>
-        </pc:spChg>
-        <pc:spChg chg="mod">
-          <ac:chgData name="Rogeross Beraña" userId="6758e3466fb01340" providerId="LiveId" clId="{B35421DD-F2E1-4AC4-BB82-3A73937B8894}" dt="2019-01-16T12:12:15.668" v="104" actId="404"/>
-          <ac:spMkLst>
-            <pc:docMk/>
-            <pc:sldMk cId="2067027119" sldId="267"/>
-            <ac:spMk id="4" creationId="{0F0ABC95-DB14-43B1-930E-0C817456A28B}"/>
-          </ac:spMkLst>
-        </pc:spChg>
-        <pc:spChg chg="mod">
-          <ac:chgData name="Rogeross Beraña" userId="6758e3466fb01340" providerId="LiveId" clId="{B35421DD-F2E1-4AC4-BB82-3A73937B8894}" dt="2019-01-16T12:12:35.357" v="114" actId="1076"/>
-          <ac:spMkLst>
-            <pc:docMk/>
-            <pc:sldMk cId="2067027119" sldId="267"/>
-            <ac:spMk id="5" creationId="{D7DA5653-F2B7-46F1-944B-1E2A5AD9B9A9}"/>
-          </ac:spMkLst>
-        </pc:spChg>
-      </pc:sldChg>
-      <pc:sldChg chg="delSp add modAnim">
-        <pc:chgData name="Rogeross Beraña" userId="6758e3466fb01340" providerId="LiveId" clId="{B35421DD-F2E1-4AC4-BB82-3A73937B8894}" dt="2019-01-16T12:22:49.085" v="189" actId="478"/>
-        <pc:sldMkLst>
-          <pc:docMk/>
-          <pc:sldMk cId="878965685" sldId="268"/>
-        </pc:sldMkLst>
-        <pc:spChg chg="del">
-          <ac:chgData name="Rogeross Beraña" userId="6758e3466fb01340" providerId="LiveId" clId="{B35421DD-F2E1-4AC4-BB82-3A73937B8894}" dt="2019-01-16T12:22:49.085" v="189" actId="478"/>
-          <ac:spMkLst>
-            <pc:docMk/>
-            <pc:sldMk cId="878965685" sldId="268"/>
-            <ac:spMk id="2" creationId="{BDDD8881-0155-433A-9EA8-A8610BE836AA}"/>
-          </ac:spMkLst>
-        </pc:spChg>
-        <pc:spChg chg="del">
-          <ac:chgData name="Rogeross Beraña" userId="6758e3466fb01340" providerId="LiveId" clId="{B35421DD-F2E1-4AC4-BB82-3A73937B8894}" dt="2019-01-16T12:22:49.085" v="189" actId="478"/>
-          <ac:spMkLst>
-            <pc:docMk/>
-            <pc:sldMk cId="878965685" sldId="268"/>
-            <ac:spMk id="4" creationId="{0F0ABC95-DB14-43B1-930E-0C817456A28B}"/>
-          </ac:spMkLst>
-        </pc:spChg>
-        <pc:grpChg chg="del">
-          <ac:chgData name="Rogeross Beraña" userId="6758e3466fb01340" providerId="LiveId" clId="{B35421DD-F2E1-4AC4-BB82-3A73937B8894}" dt="2019-01-16T12:22:49.085" v="189" actId="478"/>
-          <ac:grpSpMkLst>
-            <pc:docMk/>
-            <pc:sldMk cId="878965685" sldId="268"/>
-            <ac:grpSpMk id="15" creationId="{8AE6AEB7-28D5-4B5E-80A7-A34DF144F384}"/>
-          </ac:grpSpMkLst>
-        </pc:grpChg>
-      </pc:sldChg>
-    </pc:docChg>
-  </pc:docChgLst>
-</pc:chgInfo>
-</file>
-
 <file path=ppt/notesMasters/notesMaster1.xml><?xml version="1.0" encoding="utf-8"?>
 <p:notesMaster xmlns:a="http://schemas.openxmlformats.org/drawingml/2006/main" xmlns:r="http://schemas.openxmlformats.org/officeDocument/2006/relationships" xmlns:p="http://schemas.openxmlformats.org/presentationml/2006/main">
   <p:cSld>
@@ -438,7 +207,7 @@
           <a:p>
             <a:fld id="{20064D92-E1EF-44DB-B474-5B9716A04451}" type="datetimeFigureOut">
               <a:rPr lang="en-US" smtClean="0"/>
-              <a:t>1/18/2019</a:t>
+              <a:t>2/28/2019</a:t>
             </a:fld>
             <a:endParaRPr lang="en-US"/>
           </a:p>
@@ -502,38 +271,37 @@
           <a:p>
             <a:pPr lvl="0"/>
             <a:r>
-              <a:rPr lang="en-US" smtClean="0"/>
+              <a:rPr lang="en-US"/>
               <a:t>Edit Master text styles</a:t>
             </a:r>
           </a:p>
           <a:p>
             <a:pPr lvl="1"/>
             <a:r>
-              <a:rPr lang="en-US" smtClean="0"/>
+              <a:rPr lang="en-US"/>
               <a:t>Second level</a:t>
             </a:r>
           </a:p>
           <a:p>
             <a:pPr lvl="2"/>
             <a:r>
-              <a:rPr lang="en-US" smtClean="0"/>
+              <a:rPr lang="en-US"/>
               <a:t>Third level</a:t>
             </a:r>
           </a:p>
           <a:p>
             <a:pPr lvl="3"/>
             <a:r>
-              <a:rPr lang="en-US" smtClean="0"/>
+              <a:rPr lang="en-US"/>
               <a:t>Fourth level</a:t>
             </a:r>
           </a:p>
           <a:p>
             <a:pPr lvl="4"/>
             <a:r>
-              <a:rPr lang="en-US" smtClean="0"/>
+              <a:rPr lang="en-US"/>
               <a:t>Fifth level</a:t>
             </a:r>
-            <a:endParaRPr lang="en-US"/>
           </a:p>
         </p:txBody>
       </p:sp>
@@ -751,21 +519,20 @@
           <a:lstStyle/>
           <a:p>
             <a:r>
-              <a:rPr lang="en-US" dirty="0" smtClean="0"/>
+              <a:rPr lang="en-US" dirty="0"/>
               <a:t>Easier to read for </a:t>
             </a:r>
             <a:r>
-              <a:rPr lang="en-US" dirty="0" err="1" smtClean="0"/>
+              <a:rPr lang="en-US" dirty="0" err="1"/>
               <a:t>devs</a:t>
             </a:r>
-            <a:endParaRPr lang="en-US" dirty="0" smtClean="0"/>
-          </a:p>
-          <a:p>
-            <a:r>
-              <a:rPr lang="en-US" dirty="0" smtClean="0"/>
+            <a:endParaRPr lang="en-US" dirty="0"/>
+          </a:p>
+          <a:p>
+            <a:r>
+              <a:rPr lang="en-US" dirty="0"/>
               <a:t>Makes sense elements</a:t>
             </a:r>
-            <a:endParaRPr lang="en-US" dirty="0"/>
           </a:p>
         </p:txBody>
       </p:sp>
@@ -1038,7 +805,7 @@
           <a:p>
             <a:fld id="{298B2C08-A391-4A85-B1D7-69FA433FD96E}" type="datetimeFigureOut">
               <a:rPr lang="en-SG" smtClean="0"/>
-              <a:t>18/1/2019</a:t>
+              <a:t>28/2/2019</a:t>
             </a:fld>
             <a:endParaRPr lang="en-SG"/>
           </a:p>
@@ -1238,7 +1005,7 @@
           <a:p>
             <a:fld id="{298B2C08-A391-4A85-B1D7-69FA433FD96E}" type="datetimeFigureOut">
               <a:rPr lang="en-SG" smtClean="0"/>
-              <a:t>18/1/2019</a:t>
+              <a:t>28/2/2019</a:t>
             </a:fld>
             <a:endParaRPr lang="en-SG"/>
           </a:p>
@@ -1448,7 +1215,7 @@
           <a:p>
             <a:fld id="{298B2C08-A391-4A85-B1D7-69FA433FD96E}" type="datetimeFigureOut">
               <a:rPr lang="en-SG" smtClean="0"/>
-              <a:t>18/1/2019</a:t>
+              <a:t>28/2/2019</a:t>
             </a:fld>
             <a:endParaRPr lang="en-SG"/>
           </a:p>
@@ -1648,7 +1415,7 @@
           <a:p>
             <a:fld id="{298B2C08-A391-4A85-B1D7-69FA433FD96E}" type="datetimeFigureOut">
               <a:rPr lang="en-SG" smtClean="0"/>
-              <a:t>18/1/2019</a:t>
+              <a:t>28/2/2019</a:t>
             </a:fld>
             <a:endParaRPr lang="en-SG"/>
           </a:p>
@@ -1924,7 +1691,7 @@
           <a:p>
             <a:fld id="{298B2C08-A391-4A85-B1D7-69FA433FD96E}" type="datetimeFigureOut">
               <a:rPr lang="en-SG" smtClean="0"/>
-              <a:t>18/1/2019</a:t>
+              <a:t>28/2/2019</a:t>
             </a:fld>
             <a:endParaRPr lang="en-SG"/>
           </a:p>
@@ -2192,7 +1959,7 @@
           <a:p>
             <a:fld id="{298B2C08-A391-4A85-B1D7-69FA433FD96E}" type="datetimeFigureOut">
               <a:rPr lang="en-SG" smtClean="0"/>
-              <a:t>18/1/2019</a:t>
+              <a:t>28/2/2019</a:t>
             </a:fld>
             <a:endParaRPr lang="en-SG"/>
           </a:p>
@@ -2607,7 +2374,7 @@
           <a:p>
             <a:fld id="{298B2C08-A391-4A85-B1D7-69FA433FD96E}" type="datetimeFigureOut">
               <a:rPr lang="en-SG" smtClean="0"/>
-              <a:t>18/1/2019</a:t>
+              <a:t>28/2/2019</a:t>
             </a:fld>
             <a:endParaRPr lang="en-SG"/>
           </a:p>
@@ -2749,7 +2516,7 @@
           <a:p>
             <a:fld id="{298B2C08-A391-4A85-B1D7-69FA433FD96E}" type="datetimeFigureOut">
               <a:rPr lang="en-SG" smtClean="0"/>
-              <a:t>18/1/2019</a:t>
+              <a:t>28/2/2019</a:t>
             </a:fld>
             <a:endParaRPr lang="en-SG"/>
           </a:p>
@@ -2862,7 +2629,7 @@
           <a:p>
             <a:fld id="{298B2C08-A391-4A85-B1D7-69FA433FD96E}" type="datetimeFigureOut">
               <a:rPr lang="en-SG" smtClean="0"/>
-              <a:t>18/1/2019</a:t>
+              <a:t>28/2/2019</a:t>
             </a:fld>
             <a:endParaRPr lang="en-SG"/>
           </a:p>
@@ -3175,7 +2942,7 @@
           <a:p>
             <a:fld id="{298B2C08-A391-4A85-B1D7-69FA433FD96E}" type="datetimeFigureOut">
               <a:rPr lang="en-SG" smtClean="0"/>
-              <a:t>18/1/2019</a:t>
+              <a:t>28/2/2019</a:t>
             </a:fld>
             <a:endParaRPr lang="en-SG"/>
           </a:p>
@@ -3464,7 +3231,7 @@
           <a:p>
             <a:fld id="{298B2C08-A391-4A85-B1D7-69FA433FD96E}" type="datetimeFigureOut">
               <a:rPr lang="en-SG" smtClean="0"/>
-              <a:t>18/1/2019</a:t>
+              <a:t>28/2/2019</a:t>
             </a:fld>
             <a:endParaRPr lang="en-SG"/>
           </a:p>
@@ -3707,7 +3474,7 @@
           <a:p>
             <a:fld id="{298B2C08-A391-4A85-B1D7-69FA433FD96E}" type="datetimeFigureOut">
               <a:rPr lang="en-SG" smtClean="0"/>
-              <a:t>18/1/2019</a:t>
+              <a:t>28/2/2019</a:t>
             </a:fld>
             <a:endParaRPr lang="en-SG"/>
           </a:p>
@@ -4437,7 +4204,7 @@
         <p:spPr>
           <a:xfrm>
             <a:off x="4035669" y="1580338"/>
-            <a:ext cx="3332285" cy="1077218"/>
+            <a:ext cx="3332285" cy="1261884"/>
           </a:xfrm>
           <a:prstGeom prst="rect">
             <a:avLst/>
@@ -4454,12 +4221,20 @@
           <a:p>
             <a:pPr algn="ctr"/>
             <a:r>
+              <a:rPr lang="en-SG" sz="4400" b="1" dirty="0">
+                <a:solidFill>
+                  <a:schemeClr val="bg1"/>
+                </a:solidFill>
+              </a:rPr>
+              <a:t>C</a:t>
+            </a:r>
+            <a:r>
               <a:rPr lang="en-SG" sz="3200" b="1" dirty="0">
                 <a:solidFill>
                   <a:schemeClr val="bg1"/>
                 </a:solidFill>
               </a:rPr>
-              <a:t>CUSTOM ELEMENTS</a:t>
+              <a:t>USTOM ELEMENTS</a:t>
             </a:r>
             <a:endParaRPr lang="en-SG" sz="3200" dirty="0">
               <a:solidFill>
@@ -4484,7 +4259,7 @@
         <p:spPr>
           <a:xfrm>
             <a:off x="8786447" y="1466112"/>
-            <a:ext cx="3332285" cy="1077218"/>
+            <a:ext cx="3332285" cy="1261884"/>
           </a:xfrm>
           <a:prstGeom prst="rect">
             <a:avLst/>
@@ -4501,12 +4276,20 @@
           <a:p>
             <a:pPr algn="ctr"/>
             <a:r>
+              <a:rPr lang="en-SG" sz="4400" b="1" dirty="0">
+                <a:solidFill>
+                  <a:schemeClr val="bg1"/>
+                </a:solidFill>
+              </a:rPr>
+              <a:t>S</a:t>
+            </a:r>
+            <a:r>
               <a:rPr lang="en-SG" sz="3200" b="1" dirty="0">
                 <a:solidFill>
                   <a:schemeClr val="bg1"/>
                 </a:solidFill>
               </a:rPr>
-              <a:t>SHADOW</a:t>
+              <a:t>HADOW</a:t>
             </a:r>
           </a:p>
           <a:p>
@@ -4529,10 +4312,10 @@
       </p:sp>
       <p:grpSp>
         <p:nvGrpSpPr>
-          <p:cNvPr id="15" name="Group 14">
-            <a:extLst>
-              <a:ext uri="{FF2B5EF4-FFF2-40B4-BE49-F238E27FC236}">
-                <a16:creationId xmlns:a16="http://schemas.microsoft.com/office/drawing/2014/main" id="{8AE6AEB7-28D5-4B5E-80A7-A34DF144F384}"/>
+          <p:cNvPr id="10" name="Group 9">
+            <a:extLst>
+              <a:ext uri="{FF2B5EF4-FFF2-40B4-BE49-F238E27FC236}">
+                <a16:creationId xmlns:a16="http://schemas.microsoft.com/office/drawing/2014/main" id="{813E6431-E004-447D-8A3A-94584C8C810C}"/>
               </a:ext>
             </a:extLst>
           </p:cNvPr>
@@ -4542,75 +4325,147 @@
         <p:grpSpPr>
           <a:xfrm>
             <a:off x="164122" y="2756451"/>
-            <a:ext cx="3332285" cy="1077218"/>
+            <a:ext cx="3332285" cy="1261884"/>
             <a:chOff x="164122" y="2756451"/>
-            <a:chExt cx="3332285" cy="1077218"/>
+            <a:chExt cx="3332285" cy="1261884"/>
           </a:xfrm>
         </p:grpSpPr>
-        <p:sp>
-          <p:nvSpPr>
-            <p:cNvPr id="5" name="TextBox 4">
+        <p:grpSp>
+          <p:nvGrpSpPr>
+            <p:cNvPr id="15" name="Group 14">
               <a:extLst>
                 <a:ext uri="{FF2B5EF4-FFF2-40B4-BE49-F238E27FC236}">
-                  <a16:creationId xmlns:a16="http://schemas.microsoft.com/office/drawing/2014/main" id="{D7DA5653-F2B7-46F1-944B-1E2A5AD9B9A9}"/>
+                  <a16:creationId xmlns:a16="http://schemas.microsoft.com/office/drawing/2014/main" id="{8AE6AEB7-28D5-4B5E-80A7-A34DF144F384}"/>
                 </a:ext>
               </a:extLst>
             </p:cNvPr>
-            <p:cNvSpPr txBox="1"/>
+            <p:cNvGrpSpPr/>
             <p:nvPr/>
-          </p:nvSpPr>
-          <p:spPr>
+          </p:nvGrpSpPr>
+          <p:grpSpPr>
             <a:xfrm>
               <a:off x="164122" y="2756451"/>
-              <a:ext cx="3332285" cy="1077218"/>
+              <a:ext cx="3332285" cy="1261884"/>
+              <a:chOff x="164122" y="2756451"/>
+              <a:chExt cx="3332285" cy="1261884"/>
             </a:xfrm>
-            <a:prstGeom prst="rect">
-              <a:avLst/>
-            </a:prstGeom>
-            <a:solidFill>
-              <a:schemeClr val="tx1"/>
-            </a:solidFill>
-          </p:spPr>
-          <p:txBody>
-            <a:bodyPr wrap="square" rtlCol="0">
-              <a:spAutoFit/>
-            </a:bodyPr>
-            <a:lstStyle/>
-            <a:p>
-              <a:pPr algn="ctr"/>
-              <a:r>
-                <a:rPr lang="en-SG" sz="3200" b="1" dirty="0">
+          </p:grpSpPr>
+          <p:sp>
+            <p:nvSpPr>
+              <p:cNvPr id="5" name="TextBox 4">
+                <a:extLst>
+                  <a:ext uri="{FF2B5EF4-FFF2-40B4-BE49-F238E27FC236}">
+                    <a16:creationId xmlns:a16="http://schemas.microsoft.com/office/drawing/2014/main" id="{D7DA5653-F2B7-46F1-944B-1E2A5AD9B9A9}"/>
+                  </a:ext>
+                </a:extLst>
+              </p:cNvPr>
+              <p:cNvSpPr txBox="1"/>
+              <p:nvPr/>
+            </p:nvSpPr>
+            <p:spPr>
+              <a:xfrm>
+                <a:off x="164122" y="2756451"/>
+                <a:ext cx="3332285" cy="1261884"/>
+              </a:xfrm>
+              <a:prstGeom prst="rect">
+                <a:avLst/>
+              </a:prstGeom>
+              <a:solidFill>
+                <a:schemeClr val="tx1"/>
+              </a:solidFill>
+            </p:spPr>
+            <p:txBody>
+              <a:bodyPr wrap="square" rtlCol="0">
+                <a:spAutoFit/>
+              </a:bodyPr>
+              <a:lstStyle/>
+              <a:p>
+                <a:pPr algn="ctr"/>
+                <a:r>
+                  <a:rPr lang="en-SG" sz="4400" b="1" dirty="0">
+                    <a:solidFill>
+                      <a:schemeClr val="bg1"/>
+                    </a:solidFill>
+                  </a:rPr>
+                  <a:t>B H</a:t>
+                </a:r>
+                <a:r>
+                  <a:rPr lang="en-SG" sz="3200" b="1" dirty="0">
+                    <a:solidFill>
+                      <a:schemeClr val="bg1"/>
+                    </a:solidFill>
+                  </a:rPr>
+                  <a:t>TML</a:t>
+                </a:r>
+              </a:p>
+              <a:p>
+                <a:pPr algn="ctr"/>
+                <a:r>
+                  <a:rPr lang="en-SG" sz="3200" b="1" dirty="0">
+                    <a:solidFill>
+                      <a:schemeClr val="bg1"/>
+                    </a:solidFill>
+                  </a:rPr>
+                  <a:t>TEMPLATES</a:t>
+                </a:r>
+                <a:endParaRPr lang="en-SG" sz="3200" dirty="0">
                   <a:solidFill>
                     <a:schemeClr val="bg1"/>
                   </a:solidFill>
-                </a:rPr>
-                <a:t>B HTML</a:t>
-              </a:r>
-            </a:p>
-            <a:p>
-              <a:pPr algn="ctr"/>
-              <a:r>
-                <a:rPr lang="en-SG" sz="3200" b="1" dirty="0">
-                  <a:solidFill>
-                    <a:schemeClr val="bg1"/>
-                  </a:solidFill>
-                </a:rPr>
-                <a:t>TEMPLATES</a:t>
-              </a:r>
-              <a:endParaRPr lang="en-SG" sz="3200" dirty="0">
+                </a:endParaRPr>
+              </a:p>
+            </p:txBody>
+          </p:sp>
+          <p:cxnSp>
+            <p:nvCxnSpPr>
+              <p:cNvPr id="6" name="Straight Connector 5">
+                <a:extLst>
+                  <a:ext uri="{FF2B5EF4-FFF2-40B4-BE49-F238E27FC236}">
+                    <a16:creationId xmlns:a16="http://schemas.microsoft.com/office/drawing/2014/main" id="{E8EF138D-8DBC-4434-BAE4-3544AB7B0D8A}"/>
+                  </a:ext>
+                </a:extLst>
+              </p:cNvPr>
+              <p:cNvCxnSpPr>
+                <a:cxnSpLocks/>
+              </p:cNvCxnSpPr>
+              <p:nvPr/>
+            </p:nvCxnSpPr>
+            <p:spPr>
+              <a:xfrm flipH="1">
+                <a:off x="987669" y="2946595"/>
+                <a:ext cx="448408" cy="386862"/>
+              </a:xfrm>
+              <a:prstGeom prst="line">
+                <a:avLst/>
+              </a:prstGeom>
+              <a:ln w="12700">
                 <a:solidFill>
                   <a:schemeClr val="bg1"/>
                 </a:solidFill>
-              </a:endParaRPr>
-            </a:p>
-          </p:txBody>
-        </p:sp>
+              </a:ln>
+            </p:spPr>
+            <p:style>
+              <a:lnRef idx="1">
+                <a:schemeClr val="accent1"/>
+              </a:lnRef>
+              <a:fillRef idx="0">
+                <a:schemeClr val="accent1"/>
+              </a:fillRef>
+              <a:effectRef idx="0">
+                <a:schemeClr val="accent1"/>
+              </a:effectRef>
+              <a:fontRef idx="minor">
+                <a:schemeClr val="tx1"/>
+              </a:fontRef>
+            </p:style>
+          </p:cxnSp>
+        </p:grpSp>
         <p:cxnSp>
           <p:nvCxnSpPr>
-            <p:cNvPr id="6" name="Straight Connector 5">
+            <p:cNvPr id="19" name="Straight Connector 18">
               <a:extLst>
                 <a:ext uri="{FF2B5EF4-FFF2-40B4-BE49-F238E27FC236}">
-                  <a16:creationId xmlns:a16="http://schemas.microsoft.com/office/drawing/2014/main" id="{E8EF138D-8DBC-4434-BAE4-3544AB7B0D8A}"/>
+                  <a16:creationId xmlns:a16="http://schemas.microsoft.com/office/drawing/2014/main" id="{61B72587-BA1F-4A04-8873-000EEC7C5FD9}"/>
                 </a:ext>
               </a:extLst>
             </p:cNvPr>
@@ -4620,14 +4475,14 @@
             <p:nvPr/>
           </p:nvCxnSpPr>
           <p:spPr>
-            <a:xfrm flipH="1">
-              <a:off x="1063869" y="2839915"/>
+            <a:xfrm rot="16200000" flipH="1">
+              <a:off x="969889" y="2946595"/>
               <a:ext cx="448408" cy="386862"/>
             </a:xfrm>
             <a:prstGeom prst="line">
               <a:avLst/>
             </a:prstGeom>
-            <a:ln w="28575">
+            <a:ln w="12700">
               <a:solidFill>
                 <a:schemeClr val="bg1"/>
               </a:solidFill>
@@ -4693,7 +4548,7 @@
                                           </p:stCondLst>
                                         </p:cTn>
                                         <p:tgtEl>
-                                          <p:spTgt spid="4"/>
+                                          <p:spTgt spid="2"/>
                                         </p:tgtEl>
                                         <p:attrNameLst>
                                           <p:attrName>style.visibility</p:attrName>
@@ -4707,7 +4562,7 @@
                                       <p:cBhvr>
                                         <p:cTn id="7" dur="500"/>
                                         <p:tgtEl>
-                                          <p:spTgt spid="4"/>
+                                          <p:spTgt spid="2"/>
                                         </p:tgtEl>
                                       </p:cBhvr>
                                     </p:animEffect>
@@ -4746,7 +4601,7 @@
                                           </p:stCondLst>
                                         </p:cTn>
                                         <p:tgtEl>
-                                          <p:spTgt spid="2"/>
+                                          <p:spTgt spid="4"/>
                                         </p:tgtEl>
                                         <p:attrNameLst>
                                           <p:attrName>style.visibility</p:attrName>
@@ -4760,7 +4615,7 @@
                                       <p:cBhvr>
                                         <p:cTn id="12" dur="500"/>
                                         <p:tgtEl>
-                                          <p:spTgt spid="2"/>
+                                          <p:spTgt spid="4"/>
                                         </p:tgtEl>
                                       </p:cBhvr>
                                     </p:animEffect>
@@ -4799,7 +4654,7 @@
                                           </p:stCondLst>
                                         </p:cTn>
                                         <p:tgtEl>
-                                          <p:spTgt spid="15"/>
+                                          <p:spTgt spid="10"/>
                                         </p:tgtEl>
                                         <p:attrNameLst>
                                           <p:attrName>style.visibility</p:attrName>
@@ -4813,7 +4668,7 @@
                                       <p:cBhvr>
                                         <p:cTn id="17" dur="500"/>
                                         <p:tgtEl>
-                                          <p:spTgt spid="15"/>
+                                          <p:spTgt spid="10"/>
                                         </p:tgtEl>
                                       </p:cBhvr>
                                     </p:animEffect>
@@ -5252,13 +5107,6 @@
   <p:clrMapOvr>
     <a:masterClrMapping/>
   </p:clrMapOvr>
-  <p:timing>
-    <p:tnLst>
-      <p:par>
-        <p:cTn id="1" dur="indefinite" restart="never" nodeType="tmRoot"/>
-      </p:par>
-    </p:tnLst>
-  </p:timing>
 </p:sld>
 </file>
 
@@ -5319,13 +5167,6 @@
   <p:clrMapOvr>
     <a:masterClrMapping/>
   </p:clrMapOvr>
-  <p:timing>
-    <p:tnLst>
-      <p:par>
-        <p:cTn id="1" dur="indefinite" restart="never" nodeType="tmRoot"/>
-      </p:par>
-    </p:tnLst>
-  </p:timing>
 </p:sld>
 </file>
 
@@ -5547,7 +5388,6 @@
                 <a:rPr lang="en-SG" sz="4000" dirty="0"/>
                 <a:t>https://www.webcomponents.org/</a:t>
               </a:r>
-              <a:endParaRPr lang="en-SG" sz="4000" dirty="0"/>
             </a:p>
           </p:txBody>
         </p:sp>
